--- a/docs/Examples/Engines/IntegrateDesPtOffDes/Turbofan_commonNZL_ex01/makeFig.pptx
+++ b/docs/Examples/Engines/IntegrateDesPtOffDes/Turbofan_commonNZL_ex01/makeFig.pptx
@@ -9,16 +9,20 @@
     <p:sldId id="295" r:id="rId3"/>
     <p:sldId id="297" r:id="rId4"/>
     <p:sldId id="298" r:id="rId5"/>
-    <p:sldId id="299" r:id="rId6"/>
-    <p:sldId id="300" r:id="rId7"/>
-    <p:sldId id="301" r:id="rId8"/>
-    <p:sldId id="302" r:id="rId9"/>
-    <p:sldId id="303" r:id="rId10"/>
-    <p:sldId id="304" r:id="rId11"/>
-    <p:sldId id="305" r:id="rId12"/>
-    <p:sldId id="292" r:id="rId13"/>
-    <p:sldId id="294" r:id="rId14"/>
-    <p:sldId id="293" r:id="rId15"/>
+    <p:sldId id="306" r:id="rId6"/>
+    <p:sldId id="299" r:id="rId7"/>
+    <p:sldId id="300" r:id="rId8"/>
+    <p:sldId id="301" r:id="rId9"/>
+    <p:sldId id="302" r:id="rId10"/>
+    <p:sldId id="303" r:id="rId11"/>
+    <p:sldId id="304" r:id="rId12"/>
+    <p:sldId id="305" r:id="rId13"/>
+    <p:sldId id="307" r:id="rId14"/>
+    <p:sldId id="308" r:id="rId15"/>
+    <p:sldId id="309" r:id="rId16"/>
+    <p:sldId id="292" r:id="rId17"/>
+    <p:sldId id="294" r:id="rId18"/>
+    <p:sldId id="293" r:id="rId19"/>
   </p:sldIdLst>
   <p:sldSz cx="12192000" cy="6858000"/>
   <p:notesSz cx="6858000" cy="9144000"/>
@@ -3778,10 +3782,40 @@
           <a:chExt cx="0" cy="0"/>
         </a:xfrm>
       </p:grpSpPr>
+      <p:pic>
+        <p:nvPicPr>
+          <p:cNvPr id="3" name="図 2">
+            <a:extLst>
+              <a:ext uri="{FF2B5EF4-FFF2-40B4-BE49-F238E27FC236}">
+                <a16:creationId xmlns:a16="http://schemas.microsoft.com/office/drawing/2014/main" id="{EC8A127E-2DA0-43D4-A3FF-BD6D286A06FF}"/>
+              </a:ext>
+            </a:extLst>
+          </p:cNvPr>
+          <p:cNvPicPr>
+            <a:picLocks noChangeAspect="1"/>
+          </p:cNvPicPr>
+          <p:nvPr/>
+        </p:nvPicPr>
+        <p:blipFill>
+          <a:blip r:embed="rId2"/>
+          <a:stretch>
+            <a:fillRect/>
+          </a:stretch>
+        </p:blipFill>
+        <p:spPr>
+          <a:xfrm>
+            <a:off x="1125925" y="0"/>
+            <a:ext cx="9940149" cy="6858000"/>
+          </a:xfrm>
+          <a:prstGeom prst="rect">
+            <a:avLst/>
+          </a:prstGeom>
+        </p:spPr>
+      </p:pic>
     </p:spTree>
     <p:extLst>
       <p:ext uri="{BB962C8B-B14F-4D97-AF65-F5344CB8AC3E}">
-        <p14:creationId xmlns:p14="http://schemas.microsoft.com/office/powerpoint/2010/main" val="3981280748"/>
+        <p14:creationId xmlns:p14="http://schemas.microsoft.com/office/powerpoint/2010/main" val="3058419257"/>
       </p:ext>
     </p:extLst>
   </p:cSld>
@@ -3808,6 +3842,96 @@
           <a:chExt cx="0" cy="0"/>
         </a:xfrm>
       </p:grpSpPr>
+      <p:pic>
+        <p:nvPicPr>
+          <p:cNvPr id="3" name="図 2">
+            <a:extLst>
+              <a:ext uri="{FF2B5EF4-FFF2-40B4-BE49-F238E27FC236}">
+                <a16:creationId xmlns:a16="http://schemas.microsoft.com/office/drawing/2014/main" id="{9024F34F-AC1C-49C5-91B4-9A8CB9DD38CD}"/>
+              </a:ext>
+            </a:extLst>
+          </p:cNvPr>
+          <p:cNvPicPr>
+            <a:picLocks noChangeAspect="1"/>
+          </p:cNvPicPr>
+          <p:nvPr/>
+        </p:nvPicPr>
+        <p:blipFill>
+          <a:blip r:embed="rId2"/>
+          <a:stretch>
+            <a:fillRect/>
+          </a:stretch>
+        </p:blipFill>
+        <p:spPr>
+          <a:xfrm>
+            <a:off x="1084723" y="0"/>
+            <a:ext cx="10022553" cy="6858000"/>
+          </a:xfrm>
+          <a:prstGeom prst="rect">
+            <a:avLst/>
+          </a:prstGeom>
+        </p:spPr>
+      </p:pic>
+    </p:spTree>
+    <p:extLst>
+      <p:ext uri="{BB962C8B-B14F-4D97-AF65-F5344CB8AC3E}">
+        <p14:creationId xmlns:p14="http://schemas.microsoft.com/office/powerpoint/2010/main" val="3981280748"/>
+      </p:ext>
+    </p:extLst>
+  </p:cSld>
+  <p:clrMapOvr>
+    <a:masterClrMapping/>
+  </p:clrMapOvr>
+</p:sld>
+</file>
+
+<file path=ppt/slides/slide12.xml><?xml version="1.0" encoding="utf-8"?>
+<p:sld xmlns:a="http://schemas.openxmlformats.org/drawingml/2006/main" xmlns:r="http://schemas.openxmlformats.org/officeDocument/2006/relationships" xmlns:p="http://schemas.openxmlformats.org/presentationml/2006/main">
+  <p:cSld>
+    <p:spTree>
+      <p:nvGrpSpPr>
+        <p:cNvPr id="1" name=""/>
+        <p:cNvGrpSpPr/>
+        <p:nvPr/>
+      </p:nvGrpSpPr>
+      <p:grpSpPr>
+        <a:xfrm>
+          <a:off x="0" y="0"/>
+          <a:ext cx="0" cy="0"/>
+          <a:chOff x="0" y="0"/>
+          <a:chExt cx="0" cy="0"/>
+        </a:xfrm>
+      </p:grpSpPr>
+      <p:pic>
+        <p:nvPicPr>
+          <p:cNvPr id="3" name="図 2">
+            <a:extLst>
+              <a:ext uri="{FF2B5EF4-FFF2-40B4-BE49-F238E27FC236}">
+                <a16:creationId xmlns:a16="http://schemas.microsoft.com/office/drawing/2014/main" id="{E7A2476C-8284-4613-B375-4DDCD8CD19C9}"/>
+              </a:ext>
+            </a:extLst>
+          </p:cNvPr>
+          <p:cNvPicPr>
+            <a:picLocks noChangeAspect="1"/>
+          </p:cNvPicPr>
+          <p:nvPr/>
+        </p:nvPicPr>
+        <p:blipFill>
+          <a:blip r:embed="rId2"/>
+          <a:stretch>
+            <a:fillRect/>
+          </a:stretch>
+        </p:blipFill>
+        <p:spPr>
+          <a:xfrm>
+            <a:off x="1129862" y="0"/>
+            <a:ext cx="9932276" cy="6858000"/>
+          </a:xfrm>
+          <a:prstGeom prst="rect">
+            <a:avLst/>
+          </a:prstGeom>
+        </p:spPr>
+      </p:pic>
     </p:spTree>
     <p:extLst>
       <p:ext uri="{BB962C8B-B14F-4D97-AF65-F5344CB8AC3E}">
@@ -3821,7 +3945,127 @@
 </p:sld>
 </file>
 
-<file path=ppt/slides/slide12.xml><?xml version="1.0" encoding="utf-8"?>
+<file path=ppt/slides/slide13.xml><?xml version="1.0" encoding="utf-8"?>
+<p:sld xmlns:a="http://schemas.openxmlformats.org/drawingml/2006/main" xmlns:r="http://schemas.openxmlformats.org/officeDocument/2006/relationships" xmlns:p="http://schemas.openxmlformats.org/presentationml/2006/main">
+  <p:cSld>
+    <p:spTree>
+      <p:nvGrpSpPr>
+        <p:cNvPr id="1" name=""/>
+        <p:cNvGrpSpPr/>
+        <p:nvPr/>
+      </p:nvGrpSpPr>
+      <p:grpSpPr>
+        <a:xfrm>
+          <a:off x="0" y="0"/>
+          <a:ext cx="0" cy="0"/>
+          <a:chOff x="0" y="0"/>
+          <a:chExt cx="0" cy="0"/>
+        </a:xfrm>
+      </p:grpSpPr>
+      <p:pic>
+        <p:nvPicPr>
+          <p:cNvPr id="3" name="図 2">
+            <a:extLst>
+              <a:ext uri="{FF2B5EF4-FFF2-40B4-BE49-F238E27FC236}">
+                <a16:creationId xmlns:a16="http://schemas.microsoft.com/office/drawing/2014/main" id="{70EE55B1-39A3-4BAE-AE8D-AA554695B04E}"/>
+              </a:ext>
+            </a:extLst>
+          </p:cNvPr>
+          <p:cNvPicPr>
+            <a:picLocks noChangeAspect="1"/>
+          </p:cNvPicPr>
+          <p:nvPr/>
+        </p:nvPicPr>
+        <p:blipFill>
+          <a:blip r:embed="rId2"/>
+          <a:stretch>
+            <a:fillRect/>
+          </a:stretch>
+        </p:blipFill>
+        <p:spPr>
+          <a:xfrm>
+            <a:off x="1119126" y="0"/>
+            <a:ext cx="9953747" cy="6858000"/>
+          </a:xfrm>
+          <a:prstGeom prst="rect">
+            <a:avLst/>
+          </a:prstGeom>
+        </p:spPr>
+      </p:pic>
+    </p:spTree>
+    <p:extLst>
+      <p:ext uri="{BB962C8B-B14F-4D97-AF65-F5344CB8AC3E}">
+        <p14:creationId xmlns:p14="http://schemas.microsoft.com/office/powerpoint/2010/main" val="2114288246"/>
+      </p:ext>
+    </p:extLst>
+  </p:cSld>
+  <p:clrMapOvr>
+    <a:masterClrMapping/>
+  </p:clrMapOvr>
+</p:sld>
+</file>
+
+<file path=ppt/slides/slide14.xml><?xml version="1.0" encoding="utf-8"?>
+<p:sld xmlns:a="http://schemas.openxmlformats.org/drawingml/2006/main" xmlns:r="http://schemas.openxmlformats.org/officeDocument/2006/relationships" xmlns:p="http://schemas.openxmlformats.org/presentationml/2006/main">
+  <p:cSld>
+    <p:spTree>
+      <p:nvGrpSpPr>
+        <p:cNvPr id="1" name=""/>
+        <p:cNvGrpSpPr/>
+        <p:nvPr/>
+      </p:nvGrpSpPr>
+      <p:grpSpPr>
+        <a:xfrm>
+          <a:off x="0" y="0"/>
+          <a:ext cx="0" cy="0"/>
+          <a:chOff x="0" y="0"/>
+          <a:chExt cx="0" cy="0"/>
+        </a:xfrm>
+      </p:grpSpPr>
+    </p:spTree>
+    <p:extLst>
+      <p:ext uri="{BB962C8B-B14F-4D97-AF65-F5344CB8AC3E}">
+        <p14:creationId xmlns:p14="http://schemas.microsoft.com/office/powerpoint/2010/main" val="2662599675"/>
+      </p:ext>
+    </p:extLst>
+  </p:cSld>
+  <p:clrMapOvr>
+    <a:masterClrMapping/>
+  </p:clrMapOvr>
+</p:sld>
+</file>
+
+<file path=ppt/slides/slide15.xml><?xml version="1.0" encoding="utf-8"?>
+<p:sld xmlns:a="http://schemas.openxmlformats.org/drawingml/2006/main" xmlns:r="http://schemas.openxmlformats.org/officeDocument/2006/relationships" xmlns:p="http://schemas.openxmlformats.org/presentationml/2006/main">
+  <p:cSld>
+    <p:spTree>
+      <p:nvGrpSpPr>
+        <p:cNvPr id="1" name=""/>
+        <p:cNvGrpSpPr/>
+        <p:nvPr/>
+      </p:nvGrpSpPr>
+      <p:grpSpPr>
+        <a:xfrm>
+          <a:off x="0" y="0"/>
+          <a:ext cx="0" cy="0"/>
+          <a:chOff x="0" y="0"/>
+          <a:chExt cx="0" cy="0"/>
+        </a:xfrm>
+      </p:grpSpPr>
+    </p:spTree>
+    <p:extLst>
+      <p:ext uri="{BB962C8B-B14F-4D97-AF65-F5344CB8AC3E}">
+        <p14:creationId xmlns:p14="http://schemas.microsoft.com/office/powerpoint/2010/main" val="3918415777"/>
+      </p:ext>
+    </p:extLst>
+  </p:cSld>
+  <p:clrMapOvr>
+    <a:masterClrMapping/>
+  </p:clrMapOvr>
+</p:sld>
+</file>
+
+<file path=ppt/slides/slide16.xml><?xml version="1.0" encoding="utf-8"?>
 <p:sld xmlns:a="http://schemas.openxmlformats.org/drawingml/2006/main" xmlns:r="http://schemas.openxmlformats.org/officeDocument/2006/relationships" xmlns:p="http://schemas.openxmlformats.org/presentationml/2006/main">
   <p:cSld>
     <p:spTree>
@@ -4154,7 +4398,7 @@
 </p:sld>
 </file>
 
-<file path=ppt/slides/slide13.xml><?xml version="1.0" encoding="utf-8"?>
+<file path=ppt/slides/slide17.xml><?xml version="1.0" encoding="utf-8"?>
 <p:sld xmlns:a="http://schemas.openxmlformats.org/drawingml/2006/main" xmlns:r="http://schemas.openxmlformats.org/officeDocument/2006/relationships" xmlns:p="http://schemas.openxmlformats.org/presentationml/2006/main">
   <p:cSld>
     <p:spTree>
@@ -4260,7 +4504,7 @@
 </p:sld>
 </file>
 
-<file path=ppt/slides/slide14.xml><?xml version="1.0" encoding="utf-8"?>
+<file path=ppt/slides/slide18.xml><?xml version="1.0" encoding="utf-8"?>
 <p:sld xmlns:a="http://schemas.openxmlformats.org/drawingml/2006/main" xmlns:r="http://schemas.openxmlformats.org/officeDocument/2006/relationships" xmlns:p="http://schemas.openxmlformats.org/presentationml/2006/main">
   <p:cSld>
     <p:spTree>
@@ -5612,6 +5856,36 @@
           <a:chExt cx="0" cy="0"/>
         </a:xfrm>
       </p:grpSpPr>
+      <p:pic>
+        <p:nvPicPr>
+          <p:cNvPr id="3" name="図 2">
+            <a:extLst>
+              <a:ext uri="{FF2B5EF4-FFF2-40B4-BE49-F238E27FC236}">
+                <a16:creationId xmlns:a16="http://schemas.microsoft.com/office/drawing/2014/main" id="{6EFB3C5E-8890-4D87-989C-ED3E3B231C53}"/>
+              </a:ext>
+            </a:extLst>
+          </p:cNvPr>
+          <p:cNvPicPr>
+            <a:picLocks noChangeAspect="1"/>
+          </p:cNvPicPr>
+          <p:nvPr/>
+        </p:nvPicPr>
+        <p:blipFill>
+          <a:blip r:embed="rId2"/>
+          <a:stretch>
+            <a:fillRect/>
+          </a:stretch>
+        </p:blipFill>
+        <p:spPr>
+          <a:xfrm>
+            <a:off x="1136666" y="0"/>
+            <a:ext cx="9918668" cy="6858000"/>
+          </a:xfrm>
+          <a:prstGeom prst="rect">
+            <a:avLst/>
+          </a:prstGeom>
+        </p:spPr>
+      </p:pic>
     </p:spTree>
     <p:extLst>
       <p:ext uri="{BB962C8B-B14F-4D97-AF65-F5344CB8AC3E}">
@@ -5642,6 +5916,36 @@
           <a:chExt cx="0" cy="0"/>
         </a:xfrm>
       </p:grpSpPr>
+      <p:pic>
+        <p:nvPicPr>
+          <p:cNvPr id="3" name="図 2">
+            <a:extLst>
+              <a:ext uri="{FF2B5EF4-FFF2-40B4-BE49-F238E27FC236}">
+                <a16:creationId xmlns:a16="http://schemas.microsoft.com/office/drawing/2014/main" id="{38AAC582-05ED-4EB5-9C23-F52E2262ABC8}"/>
+              </a:ext>
+            </a:extLst>
+          </p:cNvPr>
+          <p:cNvPicPr>
+            <a:picLocks noChangeAspect="1"/>
+          </p:cNvPicPr>
+          <p:nvPr/>
+        </p:nvPicPr>
+        <p:blipFill>
+          <a:blip r:embed="rId2"/>
+          <a:stretch>
+            <a:fillRect/>
+          </a:stretch>
+        </p:blipFill>
+        <p:spPr>
+          <a:xfrm>
+            <a:off x="1147878" y="0"/>
+            <a:ext cx="9896243" cy="6858000"/>
+          </a:xfrm>
+          <a:prstGeom prst="rect">
+            <a:avLst/>
+          </a:prstGeom>
+        </p:spPr>
+      </p:pic>
     </p:spTree>
     <p:extLst>
       <p:ext uri="{BB962C8B-B14F-4D97-AF65-F5344CB8AC3E}">
@@ -5672,10 +5976,40 @@
           <a:chExt cx="0" cy="0"/>
         </a:xfrm>
       </p:grpSpPr>
+      <p:pic>
+        <p:nvPicPr>
+          <p:cNvPr id="3" name="図 2">
+            <a:extLst>
+              <a:ext uri="{FF2B5EF4-FFF2-40B4-BE49-F238E27FC236}">
+                <a16:creationId xmlns:a16="http://schemas.microsoft.com/office/drawing/2014/main" id="{9C67C6A7-1A28-4A3B-9CA8-67A077B52B82}"/>
+              </a:ext>
+            </a:extLst>
+          </p:cNvPr>
+          <p:cNvPicPr>
+            <a:picLocks noChangeAspect="1"/>
+          </p:cNvPicPr>
+          <p:nvPr/>
+        </p:nvPicPr>
+        <p:blipFill>
+          <a:blip r:embed="rId2"/>
+          <a:stretch>
+            <a:fillRect/>
+          </a:stretch>
+        </p:blipFill>
+        <p:spPr>
+          <a:xfrm>
+            <a:off x="1130316" y="0"/>
+            <a:ext cx="9931367" cy="6858000"/>
+          </a:xfrm>
+          <a:prstGeom prst="rect">
+            <a:avLst/>
+          </a:prstGeom>
+        </p:spPr>
+      </p:pic>
     </p:spTree>
     <p:extLst>
       <p:ext uri="{BB962C8B-B14F-4D97-AF65-F5344CB8AC3E}">
-        <p14:creationId xmlns:p14="http://schemas.microsoft.com/office/powerpoint/2010/main" val="2111243325"/>
+        <p14:creationId xmlns:p14="http://schemas.microsoft.com/office/powerpoint/2010/main" val="3574642384"/>
       </p:ext>
     </p:extLst>
   </p:cSld>
@@ -5702,10 +6036,40 @@
           <a:chExt cx="0" cy="0"/>
         </a:xfrm>
       </p:grpSpPr>
+      <p:pic>
+        <p:nvPicPr>
+          <p:cNvPr id="3" name="図 2">
+            <a:extLst>
+              <a:ext uri="{FF2B5EF4-FFF2-40B4-BE49-F238E27FC236}">
+                <a16:creationId xmlns:a16="http://schemas.microsoft.com/office/drawing/2014/main" id="{6D841F12-2EBB-40B3-BE55-382AFA80EAA1}"/>
+              </a:ext>
+            </a:extLst>
+          </p:cNvPr>
+          <p:cNvPicPr>
+            <a:picLocks noChangeAspect="1"/>
+          </p:cNvPicPr>
+          <p:nvPr/>
+        </p:nvPicPr>
+        <p:blipFill>
+          <a:blip r:embed="rId2"/>
+          <a:stretch>
+            <a:fillRect/>
+          </a:stretch>
+        </p:blipFill>
+        <p:spPr>
+          <a:xfrm>
+            <a:off x="1089131" y="0"/>
+            <a:ext cx="10013738" cy="6858000"/>
+          </a:xfrm>
+          <a:prstGeom prst="rect">
+            <a:avLst/>
+          </a:prstGeom>
+        </p:spPr>
+      </p:pic>
     </p:spTree>
     <p:extLst>
       <p:ext uri="{BB962C8B-B14F-4D97-AF65-F5344CB8AC3E}">
-        <p14:creationId xmlns:p14="http://schemas.microsoft.com/office/powerpoint/2010/main" val="2856354916"/>
+        <p14:creationId xmlns:p14="http://schemas.microsoft.com/office/powerpoint/2010/main" val="2111243325"/>
       </p:ext>
     </p:extLst>
   </p:cSld>
@@ -5732,10 +6096,40 @@
           <a:chExt cx="0" cy="0"/>
         </a:xfrm>
       </p:grpSpPr>
+      <p:pic>
+        <p:nvPicPr>
+          <p:cNvPr id="3" name="図 2">
+            <a:extLst>
+              <a:ext uri="{FF2B5EF4-FFF2-40B4-BE49-F238E27FC236}">
+                <a16:creationId xmlns:a16="http://schemas.microsoft.com/office/drawing/2014/main" id="{4D7F7D97-70A7-4E11-B075-4C1133AFD8FD}"/>
+              </a:ext>
+            </a:extLst>
+          </p:cNvPr>
+          <p:cNvPicPr>
+            <a:picLocks noChangeAspect="1"/>
+          </p:cNvPicPr>
+          <p:nvPr/>
+        </p:nvPicPr>
+        <p:blipFill>
+          <a:blip r:embed="rId2"/>
+          <a:stretch>
+            <a:fillRect/>
+          </a:stretch>
+        </p:blipFill>
+        <p:spPr>
+          <a:xfrm>
+            <a:off x="1117567" y="0"/>
+            <a:ext cx="9956865" cy="6858000"/>
+          </a:xfrm>
+          <a:prstGeom prst="rect">
+            <a:avLst/>
+          </a:prstGeom>
+        </p:spPr>
+      </p:pic>
     </p:spTree>
     <p:extLst>
       <p:ext uri="{BB962C8B-B14F-4D97-AF65-F5344CB8AC3E}">
-        <p14:creationId xmlns:p14="http://schemas.microsoft.com/office/powerpoint/2010/main" val="3466234907"/>
+        <p14:creationId xmlns:p14="http://schemas.microsoft.com/office/powerpoint/2010/main" val="2856354916"/>
       </p:ext>
     </p:extLst>
   </p:cSld>
@@ -5762,10 +6156,40 @@
           <a:chExt cx="0" cy="0"/>
         </a:xfrm>
       </p:grpSpPr>
+      <p:pic>
+        <p:nvPicPr>
+          <p:cNvPr id="3" name="図 2">
+            <a:extLst>
+              <a:ext uri="{FF2B5EF4-FFF2-40B4-BE49-F238E27FC236}">
+                <a16:creationId xmlns:a16="http://schemas.microsoft.com/office/drawing/2014/main" id="{289611BA-0DBC-4F90-A43D-BFFE6B7D6D3B}"/>
+              </a:ext>
+            </a:extLst>
+          </p:cNvPr>
+          <p:cNvPicPr>
+            <a:picLocks noChangeAspect="1"/>
+          </p:cNvPicPr>
+          <p:nvPr/>
+        </p:nvPicPr>
+        <p:blipFill>
+          <a:blip r:embed="rId2"/>
+          <a:stretch>
+            <a:fillRect/>
+          </a:stretch>
+        </p:blipFill>
+        <p:spPr>
+          <a:xfrm>
+            <a:off x="1113165" y="0"/>
+            <a:ext cx="9965669" cy="6858000"/>
+          </a:xfrm>
+          <a:prstGeom prst="rect">
+            <a:avLst/>
+          </a:prstGeom>
+        </p:spPr>
+      </p:pic>
     </p:spTree>
     <p:extLst>
       <p:ext uri="{BB962C8B-B14F-4D97-AF65-F5344CB8AC3E}">
-        <p14:creationId xmlns:p14="http://schemas.microsoft.com/office/powerpoint/2010/main" val="691372528"/>
+        <p14:creationId xmlns:p14="http://schemas.microsoft.com/office/powerpoint/2010/main" val="3466234907"/>
       </p:ext>
     </p:extLst>
   </p:cSld>
@@ -5792,10 +6216,40 @@
           <a:chExt cx="0" cy="0"/>
         </a:xfrm>
       </p:grpSpPr>
+      <p:pic>
+        <p:nvPicPr>
+          <p:cNvPr id="3" name="図 2">
+            <a:extLst>
+              <a:ext uri="{FF2B5EF4-FFF2-40B4-BE49-F238E27FC236}">
+                <a16:creationId xmlns:a16="http://schemas.microsoft.com/office/drawing/2014/main" id="{7FB83E42-3CD2-473E-B240-EA9248F964DD}"/>
+              </a:ext>
+            </a:extLst>
+          </p:cNvPr>
+          <p:cNvPicPr>
+            <a:picLocks noChangeAspect="1"/>
+          </p:cNvPicPr>
+          <p:nvPr/>
+        </p:nvPicPr>
+        <p:blipFill>
+          <a:blip r:embed="rId2"/>
+          <a:stretch>
+            <a:fillRect/>
+          </a:stretch>
+        </p:blipFill>
+        <p:spPr>
+          <a:xfrm>
+            <a:off x="1132281" y="0"/>
+            <a:ext cx="9927437" cy="6858000"/>
+          </a:xfrm>
+          <a:prstGeom prst="rect">
+            <a:avLst/>
+          </a:prstGeom>
+        </p:spPr>
+      </p:pic>
     </p:spTree>
     <p:extLst>
       <p:ext uri="{BB962C8B-B14F-4D97-AF65-F5344CB8AC3E}">
-        <p14:creationId xmlns:p14="http://schemas.microsoft.com/office/powerpoint/2010/main" val="3058419257"/>
+        <p14:creationId xmlns:p14="http://schemas.microsoft.com/office/powerpoint/2010/main" val="691372528"/>
       </p:ext>
     </p:extLst>
   </p:cSld>

--- a/docs/Examples/Engines/IntegrateDesPtOffDes/Turbofan_commonNZL_ex01/makeFig.pptx
+++ b/docs/Examples/Engines/IntegrateDesPtOffDes/Turbofan_commonNZL_ex01/makeFig.pptx
@@ -276,7 +276,7 @@
           <a:p>
             <a:fld id="{9D56AFC2-4774-4953-BC72-EBB95AA6B45E}" type="datetimeFigureOut">
               <a:rPr kumimoji="1" lang="ja-JP" altLang="en-US" smtClean="0"/>
-              <a:t>2021/9/30</a:t>
+              <a:t>2021/10/1</a:t>
             </a:fld>
             <a:endParaRPr kumimoji="1" lang="ja-JP" altLang="en-US"/>
           </a:p>
@@ -506,7 +506,7 @@
           <a:p>
             <a:fld id="{9D56AFC2-4774-4953-BC72-EBB95AA6B45E}" type="datetimeFigureOut">
               <a:rPr kumimoji="1" lang="ja-JP" altLang="en-US" smtClean="0"/>
-              <a:t>2021/9/30</a:t>
+              <a:t>2021/10/1</a:t>
             </a:fld>
             <a:endParaRPr kumimoji="1" lang="ja-JP" altLang="en-US"/>
           </a:p>
@@ -746,7 +746,7 @@
           <a:p>
             <a:fld id="{9D56AFC2-4774-4953-BC72-EBB95AA6B45E}" type="datetimeFigureOut">
               <a:rPr kumimoji="1" lang="ja-JP" altLang="en-US" smtClean="0"/>
-              <a:t>2021/9/30</a:t>
+              <a:t>2021/10/1</a:t>
             </a:fld>
             <a:endParaRPr kumimoji="1" lang="ja-JP" altLang="en-US"/>
           </a:p>
@@ -1066,7 +1066,7 @@
           <a:p>
             <a:fld id="{9D56AFC2-4774-4953-BC72-EBB95AA6B45E}" type="datetimeFigureOut">
               <a:rPr kumimoji="1" lang="ja-JP" altLang="en-US" smtClean="0"/>
-              <a:t>2021/9/30</a:t>
+              <a:t>2021/10/1</a:t>
             </a:fld>
             <a:endParaRPr kumimoji="1" lang="ja-JP" altLang="en-US"/>
           </a:p>
@@ -1341,7 +1341,7 @@
           <a:p>
             <a:fld id="{9D56AFC2-4774-4953-BC72-EBB95AA6B45E}" type="datetimeFigureOut">
               <a:rPr kumimoji="1" lang="ja-JP" altLang="en-US" smtClean="0"/>
-              <a:t>2021/9/30</a:t>
+              <a:t>2021/10/1</a:t>
             </a:fld>
             <a:endParaRPr kumimoji="1" lang="ja-JP" altLang="en-US"/>
           </a:p>
@@ -1670,7 +1670,7 @@
           <a:p>
             <a:fld id="{9D56AFC2-4774-4953-BC72-EBB95AA6B45E}" type="datetimeFigureOut">
               <a:rPr kumimoji="1" lang="ja-JP" altLang="en-US" smtClean="0"/>
-              <a:t>2021/9/30</a:t>
+              <a:t>2021/10/1</a:t>
             </a:fld>
             <a:endParaRPr kumimoji="1" lang="ja-JP" altLang="en-US"/>
           </a:p>
@@ -2146,7 +2146,7 @@
           <a:p>
             <a:fld id="{9D56AFC2-4774-4953-BC72-EBB95AA6B45E}" type="datetimeFigureOut">
               <a:rPr kumimoji="1" lang="ja-JP" altLang="en-US" smtClean="0"/>
-              <a:t>2021/9/30</a:t>
+              <a:t>2021/10/1</a:t>
             </a:fld>
             <a:endParaRPr kumimoji="1" lang="ja-JP" altLang="en-US"/>
           </a:p>
@@ -2287,7 +2287,7 @@
           <a:p>
             <a:fld id="{9D56AFC2-4774-4953-BC72-EBB95AA6B45E}" type="datetimeFigureOut">
               <a:rPr kumimoji="1" lang="ja-JP" altLang="en-US" smtClean="0"/>
-              <a:t>2021/9/30</a:t>
+              <a:t>2021/10/1</a:t>
             </a:fld>
             <a:endParaRPr kumimoji="1" lang="ja-JP" altLang="en-US"/>
           </a:p>
@@ -2400,7 +2400,7 @@
           <a:p>
             <a:fld id="{9D56AFC2-4774-4953-BC72-EBB95AA6B45E}" type="datetimeFigureOut">
               <a:rPr kumimoji="1" lang="ja-JP" altLang="en-US" smtClean="0"/>
-              <a:t>2021/9/30</a:t>
+              <a:t>2021/10/1</a:t>
             </a:fld>
             <a:endParaRPr kumimoji="1" lang="ja-JP" altLang="en-US"/>
           </a:p>
@@ -2743,7 +2743,7 @@
           <a:p>
             <a:fld id="{9D56AFC2-4774-4953-BC72-EBB95AA6B45E}" type="datetimeFigureOut">
               <a:rPr kumimoji="1" lang="ja-JP" altLang="en-US" smtClean="0"/>
-              <a:t>2021/9/30</a:t>
+              <a:t>2021/10/1</a:t>
             </a:fld>
             <a:endParaRPr kumimoji="1" lang="ja-JP" altLang="en-US"/>
           </a:p>
@@ -3031,7 +3031,7 @@
           <a:p>
             <a:fld id="{9D56AFC2-4774-4953-BC72-EBB95AA6B45E}" type="datetimeFigureOut">
               <a:rPr kumimoji="1" lang="ja-JP" altLang="en-US" smtClean="0"/>
-              <a:t>2021/9/30</a:t>
+              <a:t>2021/10/1</a:t>
             </a:fld>
             <a:endParaRPr kumimoji="1" lang="ja-JP" altLang="en-US"/>
           </a:p>
@@ -3304,7 +3304,7 @@
           <a:p>
             <a:fld id="{9D56AFC2-4774-4953-BC72-EBB95AA6B45E}" type="datetimeFigureOut">
               <a:rPr kumimoji="1" lang="ja-JP" altLang="en-US" smtClean="0"/>
-              <a:t>2021/9/30</a:t>
+              <a:t>2021/10/1</a:t>
             </a:fld>
             <a:endParaRPr kumimoji="1" lang="ja-JP" altLang="en-US"/>
           </a:p>
